--- a/Supermarket- PowerPoint.pptx
+++ b/Supermarket- PowerPoint.pptx
@@ -5,7 +5,7 @@
     <p:sldMasterId id="2147483650" r:id="rId1"/>
   </p:sldMasterIdLst>
   <p:notesMasterIdLst>
-    <p:notesMasterId r:id="rId21"/>
+    <p:notesMasterId r:id="rId22"/>
   </p:notesMasterIdLst>
   <p:sldIdLst>
     <p:sldId id="278" r:id="rId2"/>
@@ -26,7 +26,8 @@
     <p:sldId id="302" r:id="rId17"/>
     <p:sldId id="282" r:id="rId18"/>
     <p:sldId id="311" r:id="rId19"/>
-    <p:sldId id="293" r:id="rId20"/>
+    <p:sldId id="312" r:id="rId20"/>
+    <p:sldId id="293" r:id="rId21"/>
   </p:sldIdLst>
   <p:sldSz cx="12192000" cy="6858000"/>
   <p:notesSz cx="13716000" cy="24384000"/>
@@ -24936,7 +24937,7 @@
         </p:nvSpPr>
         <p:spPr>
           <a:xfrm>
-            <a:off x="758952" y="604520"/>
+            <a:off x="755904" y="589280"/>
             <a:ext cx="10680192" cy="5969000"/>
           </a:xfrm>
         </p:spPr>
@@ -24954,7 +24955,11 @@
             </a:r>
             <a:r>
               <a:rPr lang="en-US" dirty="0"/>
-              <a:t>. That is why it is worthwhile to increase the number of digital cash registers and simultaneously reduce the number of cashiers in branches. This will lead to the reduction of expenses and in addition to the reduction of queues in the branches, which may increase the rating. </a:t>
+              <a:t>. This is a reason why it is worthwhile to increase the number of digital cash registers and simultaneously reduce the number of cashiers in branches. This will lead to the reduction of expenses and queues in the branches, which may increase the rating and profitability</a:t>
+            </a:r>
+            <a:r>
+              <a:rPr lang="he-IL" dirty="0"/>
+              <a:t>.</a:t>
             </a:r>
             <a:br>
               <a:rPr lang="en-US" dirty="0"/>
@@ -24982,7 +24987,7 @@
           <a:p>
             <a:r>
               <a:rPr lang="en-US" dirty="0"/>
-              <a:t>There is no direct relationship between the number and the total sale of the product lines sold in the chain compared to the branches, also there is no direct relationship between branch to branch in this aspect.</a:t>
+              <a:t>There is no direct relationship between the number and the total sale of the product lines sold in the chain compared to the branches, also there is no direct relationship between the branches in this aspect, except Healthy and Beauty – the unsuccessful product line in all the branches.</a:t>
             </a:r>
             <a:br>
               <a:rPr lang="en-US" dirty="0"/>
@@ -24997,7 +25002,7 @@
             </a:r>
             <a:r>
               <a:rPr lang="en-US" dirty="0"/>
-              <a:t>In this case, I would recommend increasing the types of products from that successful product line in the branch to increase profitability and this is because customers are interested in purchasing products from this product line.</a:t>
+              <a:t>In this case, I would recommend increasing the types of products from that successful product line in the branch to increase profitability because customers are interested in purchasing products from this product line.</a:t>
             </a:r>
             <a:r>
               <a:rPr lang="he-IL" dirty="0"/>
@@ -25012,16 +25017,26 @@
             </a:br>
             <a:r>
               <a:rPr lang="en-US" dirty="0"/>
-              <a:t>For example: in branch A I would sell more new products from Home and Lifestyle and sell less from </a:t>
-            </a:r>
-            <a:r>
-              <a:rPr lang="en-US" dirty="0" err="1"/>
-              <a:t>Healty</a:t>
-            </a:r>
-            <a:r>
+              <a:t>For example: in branch A I would sell more new products from Home and Lifestyle</a:t>
+            </a:r>
+            <a:br>
               <a:rPr lang="en-US" dirty="0"/>
-              <a:t> and Beauty.</a:t>
-            </a:r>
+            </a:br>
+            <a:r>
+              <a:rPr lang="en-US" dirty="0"/>
+              <a:t>In branch B and C I would sell more new products from Food and beverages.</a:t>
+            </a:r>
+            <a:br>
+              <a:rPr lang="en-US" dirty="0"/>
+            </a:br>
+            <a:r>
+              <a:rPr lang="en-US" dirty="0"/>
+              <a:t>	</a:t>
+            </a:r>
+            <a:br>
+              <a:rPr lang="en-US" dirty="0"/>
+            </a:br>
+            <a:endParaRPr lang="en-US" dirty="0"/>
           </a:p>
           <a:p>
             <a:pPr marL="0" indent="0">
@@ -25119,10 +25134,10 @@
       </p:grpSpPr>
       <p:sp>
         <p:nvSpPr>
-          <p:cNvPr id="2" name="Title 1">
+          <p:cNvPr id="3" name="Content Placeholder 2">
             <a:extLst>
               <a:ext uri="{FF2B5EF4-FFF2-40B4-BE49-F238E27FC236}">
-                <a16:creationId xmlns:a16="http://schemas.microsoft.com/office/drawing/2014/main" id="{800AB426-5B7C-607E-D413-5D2C9495CC0A}"/>
+                <a16:creationId xmlns:a16="http://schemas.microsoft.com/office/drawing/2014/main" id="{12FF8244-FAB0-F119-BE9D-AED2EAEF69DD}"/>
               </a:ext>
             </a:extLst>
           </p:cNvPr>
@@ -25130,27 +25145,85 @@
             <a:spLocks noGrp="1"/>
           </p:cNvSpPr>
           <p:nvPr>
-            <p:ph type="ctrTitle"/>
+            <p:ph sz="half" idx="1"/>
           </p:nvPr>
         </p:nvSpPr>
-        <p:spPr/>
+        <p:spPr>
+          <a:xfrm>
+            <a:off x="758952" y="604520"/>
+            <a:ext cx="10680192" cy="5969000"/>
+          </a:xfrm>
+        </p:spPr>
         <p:txBody>
           <a:bodyPr/>
           <a:lstStyle/>
           <a:p>
             <a:r>
               <a:rPr lang="en-US" dirty="0"/>
-              <a:t>THANK YOU</a:t>
-            </a:r>
+              <a:t>The size of the branches is different, however</a:t>
+            </a:r>
+            <a:r>
+              <a:rPr lang="he-IL" dirty="0"/>
+              <a:t>,</a:t>
+            </a:r>
+            <a:r>
+              <a:rPr lang="en-US" dirty="0"/>
+              <a:t> the total of sales and the average rating are similar.</a:t>
+            </a:r>
+            <a:r>
+              <a:rPr lang="he-IL" dirty="0"/>
+              <a:t> </a:t>
+            </a:r>
+            <a:r>
+              <a:rPr lang="en-US" dirty="0"/>
+              <a:t>Therefore, if there is a consideration to open a new branch, then it is better to open a branch the size of branch A - 550 square meters and thus increase profitability by reducing the rent.</a:t>
+            </a:r>
+            <a:br>
+              <a:rPr lang="en-US" dirty="0"/>
+            </a:br>
+            <a:endParaRPr lang="he-IL" dirty="0"/>
+          </a:p>
+          <a:p>
+            <a:pPr marL="0" indent="0">
+              <a:buNone/>
+            </a:pPr>
+            <a:br>
+              <a:rPr lang="en-US" dirty="0"/>
+            </a:br>
+            <a:endParaRPr lang="en-US" dirty="0"/>
+          </a:p>
+          <a:p>
+            <a:endParaRPr lang="en-US" dirty="0"/>
+          </a:p>
+          <a:p>
+            <a:pPr marL="0" indent="0">
+              <a:buNone/>
+            </a:pPr>
+            <a:endParaRPr lang="en-US" dirty="0"/>
+          </a:p>
+          <a:p>
+            <a:endParaRPr lang="en-US" dirty="0"/>
+          </a:p>
+          <a:p>
+            <a:pPr marL="0" indent="0">
+              <a:buNone/>
+            </a:pPr>
+            <a:br>
+              <a:rPr lang="en-US" dirty="0"/>
+            </a:br>
+            <a:endParaRPr lang="en-US" dirty="0"/>
+          </a:p>
+          <a:p>
+            <a:endParaRPr lang="en-US" dirty="0"/>
           </a:p>
         </p:txBody>
       </p:sp>
       <p:sp>
         <p:nvSpPr>
-          <p:cNvPr id="3" name="Subtitle 2">
+          <p:cNvPr id="5" name="Slide Number Placeholder 4">
             <a:extLst>
               <a:ext uri="{FF2B5EF4-FFF2-40B4-BE49-F238E27FC236}">
-                <a16:creationId xmlns:a16="http://schemas.microsoft.com/office/drawing/2014/main" id="{B787DFD8-D262-D485-B1F2-817C5A0928C5}"/>
+                <a16:creationId xmlns:a16="http://schemas.microsoft.com/office/drawing/2014/main" id="{438D7A43-CD82-770B-61F7-B4DEE511A019}"/>
               </a:ext>
             </a:extLst>
           </p:cNvPr>
@@ -25158,36 +25231,26 @@
             <a:spLocks noGrp="1"/>
           </p:cNvSpPr>
           <p:nvPr>
-            <p:ph type="subTitle" idx="1"/>
+            <p:ph type="sldNum" sz="quarter" idx="12"/>
           </p:nvPr>
         </p:nvSpPr>
-        <p:spPr>
-          <a:xfrm>
-            <a:off x="1545336" y="3403601"/>
-            <a:ext cx="4794504" cy="1623568"/>
-          </a:xfrm>
-        </p:spPr>
+        <p:spPr/>
         <p:txBody>
           <a:bodyPr/>
           <a:lstStyle/>
           <a:p>
-            <a:r>
-              <a:rPr lang="en-US" sz="2800" dirty="0"/>
-              <a:t>Chen Alfasi</a:t>
-            </a:r>
-          </a:p>
-          <a:p>
-            <a:r>
-              <a:rPr lang="en-US" sz="2800" dirty="0"/>
-              <a:t>Chenalfasi7@gmail.com</a:t>
-            </a:r>
+            <a:fld id="{48F63A3B-78C7-47BE-AE5E-E10140E04643}" type="slidenum">
+              <a:rPr lang="en-US" smtClean="0"/>
+              <a:t>19</a:t>
+            </a:fld>
+            <a:endParaRPr lang="en-US" dirty="0"/>
           </a:p>
         </p:txBody>
       </p:sp>
     </p:spTree>
     <p:extLst>
       <p:ext uri="{BB962C8B-B14F-4D97-AF65-F5344CB8AC3E}">
-        <p14:creationId xmlns:p14="http://schemas.microsoft.com/office/powerpoint/2010/main" val="1003962426"/>
+        <p14:creationId xmlns:p14="http://schemas.microsoft.com/office/powerpoint/2010/main" val="2978721380"/>
       </p:ext>
     </p:extLst>
   </p:cSld>
@@ -25315,6 +25378,103 @@
     <p:extLst>
       <p:ext uri="{BB962C8B-B14F-4D97-AF65-F5344CB8AC3E}">
         <p14:creationId xmlns:p14="http://schemas.microsoft.com/office/powerpoint/2010/main" val="3855531800"/>
+      </p:ext>
+    </p:extLst>
+  </p:cSld>
+  <p:clrMapOvr>
+    <a:masterClrMapping/>
+  </p:clrMapOvr>
+</p:sld>
+</file>
+
+<file path=ppt/slides/slide20.xml><?xml version="1.0" encoding="utf-8"?>
+<p:sld xmlns:a="http://schemas.openxmlformats.org/drawingml/2006/main" xmlns:r="http://schemas.openxmlformats.org/officeDocument/2006/relationships" xmlns:p="http://schemas.openxmlformats.org/presentationml/2006/main">
+  <p:cSld>
+    <p:spTree>
+      <p:nvGrpSpPr>
+        <p:cNvPr id="1" name=""/>
+        <p:cNvGrpSpPr/>
+        <p:nvPr/>
+      </p:nvGrpSpPr>
+      <p:grpSpPr>
+        <a:xfrm>
+          <a:off x="0" y="0"/>
+          <a:ext cx="0" cy="0"/>
+          <a:chOff x="0" y="0"/>
+          <a:chExt cx="0" cy="0"/>
+        </a:xfrm>
+      </p:grpSpPr>
+      <p:sp>
+        <p:nvSpPr>
+          <p:cNvPr id="2" name="Title 1">
+            <a:extLst>
+              <a:ext uri="{FF2B5EF4-FFF2-40B4-BE49-F238E27FC236}">
+                <a16:creationId xmlns:a16="http://schemas.microsoft.com/office/drawing/2014/main" id="{800AB426-5B7C-607E-D413-5D2C9495CC0A}"/>
+              </a:ext>
+            </a:extLst>
+          </p:cNvPr>
+          <p:cNvSpPr>
+            <a:spLocks noGrp="1"/>
+          </p:cNvSpPr>
+          <p:nvPr>
+            <p:ph type="ctrTitle"/>
+          </p:nvPr>
+        </p:nvSpPr>
+        <p:spPr/>
+        <p:txBody>
+          <a:bodyPr/>
+          <a:lstStyle/>
+          <a:p>
+            <a:r>
+              <a:rPr lang="en-US" dirty="0"/>
+              <a:t>THANK YOU</a:t>
+            </a:r>
+          </a:p>
+        </p:txBody>
+      </p:sp>
+      <p:sp>
+        <p:nvSpPr>
+          <p:cNvPr id="3" name="Subtitle 2">
+            <a:extLst>
+              <a:ext uri="{FF2B5EF4-FFF2-40B4-BE49-F238E27FC236}">
+                <a16:creationId xmlns:a16="http://schemas.microsoft.com/office/drawing/2014/main" id="{B787DFD8-D262-D485-B1F2-817C5A0928C5}"/>
+              </a:ext>
+            </a:extLst>
+          </p:cNvPr>
+          <p:cNvSpPr>
+            <a:spLocks noGrp="1"/>
+          </p:cNvSpPr>
+          <p:nvPr>
+            <p:ph type="subTitle" idx="1"/>
+          </p:nvPr>
+        </p:nvSpPr>
+        <p:spPr>
+          <a:xfrm>
+            <a:off x="1545336" y="3403601"/>
+            <a:ext cx="4794504" cy="1623568"/>
+          </a:xfrm>
+        </p:spPr>
+        <p:txBody>
+          <a:bodyPr/>
+          <a:lstStyle/>
+          <a:p>
+            <a:r>
+              <a:rPr lang="en-US" sz="2800" dirty="0"/>
+              <a:t>Chen Alfasi</a:t>
+            </a:r>
+          </a:p>
+          <a:p>
+            <a:r>
+              <a:rPr lang="en-US" sz="2800" dirty="0"/>
+              <a:t>Chenalfasi7@gmail.com</a:t>
+            </a:r>
+          </a:p>
+        </p:txBody>
+      </p:sp>
+    </p:spTree>
+    <p:extLst>
+      <p:ext uri="{BB962C8B-B14F-4D97-AF65-F5344CB8AC3E}">
+        <p14:creationId xmlns:p14="http://schemas.microsoft.com/office/powerpoint/2010/main" val="1003962426"/>
       </p:ext>
     </p:extLst>
   </p:cSld>
